--- a/textbook/파이썬3-3교시.pptx
+++ b/textbook/파이썬3-3교시.pptx
@@ -270,7 +270,7 @@
           <a:p>
             <a:fld id="{3575F28B-E03B-4F00-AA56-A8AF97DAF43F}" type="datetimeFigureOut">
               <a:rPr lang="ko-KR" altLang="en-US" smtClean="0"/>
-              <a:t>2021-05-16</a:t>
+              <a:t>2021-05-18</a:t>
             </a:fld>
             <a:endParaRPr lang="ko-KR" altLang="en-US"/>
           </a:p>
@@ -512,7 +512,7 @@
           <a:p>
             <a:fld id="{3575F28B-E03B-4F00-AA56-A8AF97DAF43F}" type="datetimeFigureOut">
               <a:rPr lang="ko-KR" altLang="en-US" smtClean="0"/>
-              <a:t>2021-05-16</a:t>
+              <a:t>2021-05-18</a:t>
             </a:fld>
             <a:endParaRPr lang="ko-KR" altLang="en-US"/>
           </a:p>
@@ -696,7 +696,7 @@
           <a:p>
             <a:fld id="{3575F28B-E03B-4F00-AA56-A8AF97DAF43F}" type="datetimeFigureOut">
               <a:rPr lang="ko-KR" altLang="en-US" smtClean="0"/>
-              <a:t>2021-05-16</a:t>
+              <a:t>2021-05-18</a:t>
             </a:fld>
             <a:endParaRPr lang="ko-KR" altLang="en-US"/>
           </a:p>
@@ -897,7 +897,7 @@
           <a:p>
             <a:fld id="{3575F28B-E03B-4F00-AA56-A8AF97DAF43F}" type="datetimeFigureOut">
               <a:rPr lang="ko-KR" altLang="en-US" smtClean="0"/>
-              <a:t>2021-05-16</a:t>
+              <a:t>2021-05-18</a:t>
             </a:fld>
             <a:endParaRPr lang="ko-KR" altLang="en-US"/>
           </a:p>
@@ -1176,7 +1176,7 @@
           <a:p>
             <a:fld id="{3575F28B-E03B-4F00-AA56-A8AF97DAF43F}" type="datetimeFigureOut">
               <a:rPr lang="ko-KR" altLang="en-US" smtClean="0"/>
-              <a:t>2021-05-16</a:t>
+              <a:t>2021-05-18</a:t>
             </a:fld>
             <a:endParaRPr lang="ko-KR" altLang="en-US"/>
           </a:p>
@@ -1444,7 +1444,7 @@
           <a:p>
             <a:fld id="{3575F28B-E03B-4F00-AA56-A8AF97DAF43F}" type="datetimeFigureOut">
               <a:rPr lang="ko-KR" altLang="en-US" smtClean="0"/>
-              <a:t>2021-05-16</a:t>
+              <a:t>2021-05-18</a:t>
             </a:fld>
             <a:endParaRPr lang="ko-KR" altLang="en-US"/>
           </a:p>
@@ -1891,7 +1891,7 @@
           <a:p>
             <a:fld id="{3575F28B-E03B-4F00-AA56-A8AF97DAF43F}" type="datetimeFigureOut">
               <a:rPr lang="ko-KR" altLang="en-US" smtClean="0"/>
-              <a:t>2021-05-16</a:t>
+              <a:t>2021-05-18</a:t>
             </a:fld>
             <a:endParaRPr lang="ko-KR" altLang="en-US"/>
           </a:p>
@@ -2040,7 +2040,7 @@
           <a:p>
             <a:fld id="{3575F28B-E03B-4F00-AA56-A8AF97DAF43F}" type="datetimeFigureOut">
               <a:rPr lang="ko-KR" altLang="en-US" smtClean="0"/>
-              <a:t>2021-05-16</a:t>
+              <a:t>2021-05-18</a:t>
             </a:fld>
             <a:endParaRPr lang="ko-KR" altLang="en-US"/>
           </a:p>
@@ -2135,7 +2135,7 @@
           <a:p>
             <a:fld id="{3575F28B-E03B-4F00-AA56-A8AF97DAF43F}" type="datetimeFigureOut">
               <a:rPr lang="ko-KR" altLang="en-US" smtClean="0"/>
-              <a:t>2021-05-16</a:t>
+              <a:t>2021-05-18</a:t>
             </a:fld>
             <a:endParaRPr lang="ko-KR" altLang="en-US"/>
           </a:p>
@@ -2388,7 +2388,7 @@
           <a:p>
             <a:fld id="{3575F28B-E03B-4F00-AA56-A8AF97DAF43F}" type="datetimeFigureOut">
               <a:rPr lang="ko-KR" altLang="en-US" smtClean="0"/>
-              <a:t>2021-05-16</a:t>
+              <a:t>2021-05-18</a:t>
             </a:fld>
             <a:endParaRPr lang="ko-KR" altLang="en-US"/>
           </a:p>
@@ -2833,7 +2833,7 @@
           <a:p>
             <a:fld id="{3575F28B-E03B-4F00-AA56-A8AF97DAF43F}" type="datetimeFigureOut">
               <a:rPr lang="ko-KR" altLang="en-US" smtClean="0"/>
-              <a:t>2021-05-16</a:t>
+              <a:t>2021-05-18</a:t>
             </a:fld>
             <a:endParaRPr lang="ko-KR" altLang="en-US"/>
           </a:p>
@@ -3197,7 +3197,7 @@
           <a:p>
             <a:fld id="{3575F28B-E03B-4F00-AA56-A8AF97DAF43F}" type="datetimeFigureOut">
               <a:rPr lang="ko-KR" altLang="en-US" smtClean="0"/>
-              <a:t>2021-05-16</a:t>
+              <a:t>2021-05-18</a:t>
             </a:fld>
             <a:endParaRPr lang="ko-KR" altLang="en-US"/>
           </a:p>
@@ -3702,6 +3702,16 @@
             </a:pPr>
             <a:r>
               <a:rPr lang="ko-KR" altLang="en-US" dirty="0"/>
+              <a:t>함수와 클래스 복습</a:t>
+            </a:r>
+            <a:endParaRPr lang="en-US" altLang="ko-KR" dirty="0"/>
+          </a:p>
+          <a:p>
+            <a:pPr lvl="0">
+              <a:defRPr/>
+            </a:pPr>
+            <a:r>
+              <a:rPr lang="ko-KR" altLang="en-US" dirty="0"/>
               <a:t>모듈 사용하기</a:t>
             </a:r>
           </a:p>
@@ -3716,7 +3726,7 @@
     <mc:Choice Requires="p14">
       <p:transition/>
     </mc:Choice>
-    <mc:Fallback xmlns:dsp="http://schemas.microsoft.com/office/drawing/2008/diagram" xmlns:dgm="http://schemas.openxmlformats.org/drawingml/2006/diagram" xmlns:c="http://schemas.openxmlformats.org/drawingml/2006/chart" xmlns="">
+    <mc:Fallback xmlns="" xmlns:c="http://schemas.openxmlformats.org/drawingml/2006/chart" xmlns:dgm="http://schemas.openxmlformats.org/drawingml/2006/diagram" xmlns:dsp="http://schemas.microsoft.com/office/drawing/2008/diagram">
       <p:transition/>
     </mc:Fallback>
   </mc:AlternateContent>
@@ -3878,7 +3888,7 @@
     <mc:Choice Requires="p14">
       <p:transition/>
     </mc:Choice>
-    <mc:Fallback xmlns:dsp="http://schemas.microsoft.com/office/drawing/2008/diagram" xmlns:dgm="http://schemas.openxmlformats.org/drawingml/2006/diagram" xmlns:c="http://schemas.openxmlformats.org/drawingml/2006/chart" xmlns="">
+    <mc:Fallback xmlns="" xmlns:c="http://schemas.openxmlformats.org/drawingml/2006/chart" xmlns:dgm="http://schemas.openxmlformats.org/drawingml/2006/diagram" xmlns:dsp="http://schemas.microsoft.com/office/drawing/2008/diagram">
       <p:transition/>
     </mc:Fallback>
   </mc:AlternateContent>
@@ -6780,7 +6790,9 @@
         </p:nvSpPr>
         <p:spPr/>
         <p:txBody>
-          <a:bodyPr/>
+          <a:bodyPr>
+            <a:normAutofit fontScale="85000" lnSpcReduction="20000"/>
+          </a:bodyPr>
           <a:lstStyle/>
           <a:p>
             <a:r>
@@ -6808,6 +6820,127 @@
               <a:rPr lang="en-US" altLang="ko-KR" dirty="0"/>
               <a:t>.</a:t>
             </a:r>
+          </a:p>
+          <a:p>
+            <a:endParaRPr lang="en-US" altLang="ko-KR" dirty="0"/>
+          </a:p>
+          <a:p>
+            <a:r>
+              <a:rPr lang="en-US" altLang="ko-KR" dirty="0"/>
+              <a:t>import </a:t>
+            </a:r>
+            <a:r>
+              <a:rPr lang="ko-KR" altLang="en-US" dirty="0"/>
+              <a:t>하는 방법</a:t>
+            </a:r>
+            <a:endParaRPr lang="en-US" altLang="ko-KR" dirty="0"/>
+          </a:p>
+          <a:p>
+            <a:pPr marL="0" indent="0">
+              <a:buNone/>
+            </a:pPr>
+            <a:r>
+              <a:rPr lang="en-US" altLang="ko-KR" dirty="0"/>
+              <a:t>   import</a:t>
+            </a:r>
+            <a:r>
+              <a:rPr lang="ko-KR" altLang="en-US" dirty="0"/>
+              <a:t> 파일</a:t>
+            </a:r>
+            <a:endParaRPr lang="en-US" altLang="ko-KR" dirty="0"/>
+          </a:p>
+          <a:p>
+            <a:pPr marL="0" indent="0">
+              <a:buNone/>
+            </a:pPr>
+            <a:r>
+              <a:rPr lang="en-US" altLang="ko-KR" dirty="0"/>
+              <a:t>   from </a:t>
+            </a:r>
+            <a:r>
+              <a:rPr lang="ko-KR" altLang="en-US" dirty="0"/>
+              <a:t>파일 </a:t>
+            </a:r>
+            <a:r>
+              <a:rPr lang="en-US" altLang="ko-KR" dirty="0"/>
+              <a:t>import </a:t>
+            </a:r>
+            <a:r>
+              <a:rPr lang="ko-KR" altLang="en-US" dirty="0"/>
+              <a:t>클래스</a:t>
+            </a:r>
+            <a:r>
+              <a:rPr lang="en-US" altLang="ko-KR" dirty="0"/>
+              <a:t>(or </a:t>
+            </a:r>
+            <a:r>
+              <a:rPr lang="ko-KR" altLang="en-US" dirty="0"/>
+              <a:t>함수</a:t>
+            </a:r>
+            <a:r>
+              <a:rPr lang="en-US" altLang="ko-KR" dirty="0"/>
+              <a:t>)</a:t>
+            </a:r>
+          </a:p>
+          <a:p>
+            <a:pPr marL="0" indent="0">
+              <a:buNone/>
+            </a:pPr>
+            <a:r>
+              <a:rPr lang="en-US" altLang="ko-KR" dirty="0"/>
+              <a:t>   import </a:t>
+            </a:r>
+            <a:r>
+              <a:rPr lang="ko-KR" altLang="en-US" dirty="0"/>
+              <a:t>파일 </a:t>
+            </a:r>
+            <a:r>
+              <a:rPr lang="en-US" altLang="ko-KR" dirty="0"/>
+              <a:t>as </a:t>
+            </a:r>
+            <a:r>
+              <a:rPr lang="ko-KR" altLang="en-US" dirty="0"/>
+              <a:t>약자</a:t>
+            </a:r>
+            <a:endParaRPr lang="en-US" altLang="ko-KR" dirty="0"/>
+          </a:p>
+          <a:p>
+            <a:pPr marL="0" indent="0">
+              <a:buNone/>
+            </a:pPr>
+            <a:r>
+              <a:rPr lang="en-US" altLang="ko-KR" dirty="0"/>
+              <a:t>   from </a:t>
+            </a:r>
+            <a:r>
+              <a:rPr lang="ko-KR" altLang="en-US" dirty="0"/>
+              <a:t>파일 </a:t>
+            </a:r>
+            <a:r>
+              <a:rPr lang="en-US" altLang="ko-KR" dirty="0"/>
+              <a:t>import </a:t>
+            </a:r>
+            <a:r>
+              <a:rPr lang="ko-KR" altLang="en-US" dirty="0"/>
+              <a:t>클래스</a:t>
+            </a:r>
+            <a:r>
+              <a:rPr lang="en-US" altLang="ko-KR" dirty="0"/>
+              <a:t>(or</a:t>
+            </a:r>
+            <a:r>
+              <a:rPr lang="ko-KR" altLang="en-US" dirty="0"/>
+              <a:t> 함수</a:t>
+            </a:r>
+            <a:r>
+              <a:rPr lang="en-US" altLang="ko-KR" dirty="0"/>
+              <a:t>) as </a:t>
+            </a:r>
+            <a:r>
+              <a:rPr lang="ko-KR" altLang="en-US" dirty="0"/>
+              <a:t>약자</a:t>
+            </a:r>
+            <a:endParaRPr lang="en-US" altLang="ko-KR" dirty="0"/>
           </a:p>
           <a:p>
             <a:endParaRPr lang="en-US" altLang="ko-KR" dirty="0"/>
@@ -14267,7 +14400,7 @@
     <mc:Choice Requires="p14">
       <p:transition/>
     </mc:Choice>
-    <mc:Fallback xmlns="" xmlns:c="http://schemas.openxmlformats.org/drawingml/2006/chart" xmlns:dgm="http://schemas.openxmlformats.org/drawingml/2006/diagram" xmlns:dsp="http://schemas.microsoft.com/office/drawing/2008/diagram">
+    <mc:Fallback xmlns:dsp="http://schemas.microsoft.com/office/drawing/2008/diagram" xmlns:dgm="http://schemas.openxmlformats.org/drawingml/2006/diagram" xmlns:c="http://schemas.openxmlformats.org/drawingml/2006/chart" xmlns="">
       <p:transition/>
     </mc:Fallback>
   </mc:AlternateContent>

--- a/textbook/파이썬3-3교시.pptx
+++ b/textbook/파이썬3-3교시.pptx
@@ -270,7 +270,7 @@
           <a:p>
             <a:fld id="{3575F28B-E03B-4F00-AA56-A8AF97DAF43F}" type="datetimeFigureOut">
               <a:rPr lang="ko-KR" altLang="en-US" smtClean="0"/>
-              <a:t>2021-05-18</a:t>
+              <a:t>2021-05-22</a:t>
             </a:fld>
             <a:endParaRPr lang="ko-KR" altLang="en-US"/>
           </a:p>
@@ -512,7 +512,7 @@
           <a:p>
             <a:fld id="{3575F28B-E03B-4F00-AA56-A8AF97DAF43F}" type="datetimeFigureOut">
               <a:rPr lang="ko-KR" altLang="en-US" smtClean="0"/>
-              <a:t>2021-05-18</a:t>
+              <a:t>2021-05-22</a:t>
             </a:fld>
             <a:endParaRPr lang="ko-KR" altLang="en-US"/>
           </a:p>
@@ -696,7 +696,7 @@
           <a:p>
             <a:fld id="{3575F28B-E03B-4F00-AA56-A8AF97DAF43F}" type="datetimeFigureOut">
               <a:rPr lang="ko-KR" altLang="en-US" smtClean="0"/>
-              <a:t>2021-05-18</a:t>
+              <a:t>2021-05-22</a:t>
             </a:fld>
             <a:endParaRPr lang="ko-KR" altLang="en-US"/>
           </a:p>
@@ -897,7 +897,7 @@
           <a:p>
             <a:fld id="{3575F28B-E03B-4F00-AA56-A8AF97DAF43F}" type="datetimeFigureOut">
               <a:rPr lang="ko-KR" altLang="en-US" smtClean="0"/>
-              <a:t>2021-05-18</a:t>
+              <a:t>2021-05-22</a:t>
             </a:fld>
             <a:endParaRPr lang="ko-KR" altLang="en-US"/>
           </a:p>
@@ -1176,7 +1176,7 @@
           <a:p>
             <a:fld id="{3575F28B-E03B-4F00-AA56-A8AF97DAF43F}" type="datetimeFigureOut">
               <a:rPr lang="ko-KR" altLang="en-US" smtClean="0"/>
-              <a:t>2021-05-18</a:t>
+              <a:t>2021-05-22</a:t>
             </a:fld>
             <a:endParaRPr lang="ko-KR" altLang="en-US"/>
           </a:p>
@@ -1444,7 +1444,7 @@
           <a:p>
             <a:fld id="{3575F28B-E03B-4F00-AA56-A8AF97DAF43F}" type="datetimeFigureOut">
               <a:rPr lang="ko-KR" altLang="en-US" smtClean="0"/>
-              <a:t>2021-05-18</a:t>
+              <a:t>2021-05-22</a:t>
             </a:fld>
             <a:endParaRPr lang="ko-KR" altLang="en-US"/>
           </a:p>
@@ -1891,7 +1891,7 @@
           <a:p>
             <a:fld id="{3575F28B-E03B-4F00-AA56-A8AF97DAF43F}" type="datetimeFigureOut">
               <a:rPr lang="ko-KR" altLang="en-US" smtClean="0"/>
-              <a:t>2021-05-18</a:t>
+              <a:t>2021-05-22</a:t>
             </a:fld>
             <a:endParaRPr lang="ko-KR" altLang="en-US"/>
           </a:p>
@@ -2040,7 +2040,7 @@
           <a:p>
             <a:fld id="{3575F28B-E03B-4F00-AA56-A8AF97DAF43F}" type="datetimeFigureOut">
               <a:rPr lang="ko-KR" altLang="en-US" smtClean="0"/>
-              <a:t>2021-05-18</a:t>
+              <a:t>2021-05-22</a:t>
             </a:fld>
             <a:endParaRPr lang="ko-KR" altLang="en-US"/>
           </a:p>
@@ -2135,7 +2135,7 @@
           <a:p>
             <a:fld id="{3575F28B-E03B-4F00-AA56-A8AF97DAF43F}" type="datetimeFigureOut">
               <a:rPr lang="ko-KR" altLang="en-US" smtClean="0"/>
-              <a:t>2021-05-18</a:t>
+              <a:t>2021-05-22</a:t>
             </a:fld>
             <a:endParaRPr lang="ko-KR" altLang="en-US"/>
           </a:p>
@@ -2388,7 +2388,7 @@
           <a:p>
             <a:fld id="{3575F28B-E03B-4F00-AA56-A8AF97DAF43F}" type="datetimeFigureOut">
               <a:rPr lang="ko-KR" altLang="en-US" smtClean="0"/>
-              <a:t>2021-05-18</a:t>
+              <a:t>2021-05-22</a:t>
             </a:fld>
             <a:endParaRPr lang="ko-KR" altLang="en-US"/>
           </a:p>
@@ -2833,7 +2833,7 @@
           <a:p>
             <a:fld id="{3575F28B-E03B-4F00-AA56-A8AF97DAF43F}" type="datetimeFigureOut">
               <a:rPr lang="ko-KR" altLang="en-US" smtClean="0"/>
-              <a:t>2021-05-18</a:t>
+              <a:t>2021-05-22</a:t>
             </a:fld>
             <a:endParaRPr lang="ko-KR" altLang="en-US"/>
           </a:p>
@@ -3197,7 +3197,7 @@
           <a:p>
             <a:fld id="{3575F28B-E03B-4F00-AA56-A8AF97DAF43F}" type="datetimeFigureOut">
               <a:rPr lang="ko-KR" altLang="en-US" smtClean="0"/>
-              <a:t>2021-05-18</a:t>
+              <a:t>2021-05-22</a:t>
             </a:fld>
             <a:endParaRPr lang="ko-KR" altLang="en-US"/>
           </a:p>
@@ -3668,6 +3668,10 @@
               <a:rPr lang="ko-KR" altLang="en-US" dirty="0" err="1"/>
               <a:t>와이즈만</a:t>
             </a:r>
+            <a:r>
+              <a:rPr lang="en-US" altLang="ko-KR" dirty="0"/>
+              <a:t/>
+            </a:r>
             <a:br>
               <a:rPr lang="en-US" altLang="ko-KR" dirty="0"/>
             </a:br>
@@ -3726,7 +3730,7 @@
     <mc:Choice Requires="p14">
       <p:transition/>
     </mc:Choice>
-    <mc:Fallback xmlns="" xmlns:c="http://schemas.openxmlformats.org/drawingml/2006/chart" xmlns:dgm="http://schemas.openxmlformats.org/drawingml/2006/diagram" xmlns:dsp="http://schemas.microsoft.com/office/drawing/2008/diagram">
+    <mc:Fallback xmlns:dsp="http://schemas.microsoft.com/office/drawing/2008/diagram" xmlns:dgm="http://schemas.openxmlformats.org/drawingml/2006/diagram" xmlns:c="http://schemas.openxmlformats.org/drawingml/2006/chart" xmlns="">
       <p:transition/>
     </mc:Fallback>
   </mc:AlternateContent>
@@ -3888,7 +3892,7 @@
     <mc:Choice Requires="p14">
       <p:transition/>
     </mc:Choice>
-    <mc:Fallback xmlns="" xmlns:c="http://schemas.openxmlformats.org/drawingml/2006/chart" xmlns:dgm="http://schemas.openxmlformats.org/drawingml/2006/diagram" xmlns:dsp="http://schemas.microsoft.com/office/drawing/2008/diagram">
+    <mc:Fallback xmlns:dsp="http://schemas.microsoft.com/office/drawing/2008/diagram" xmlns:dgm="http://schemas.openxmlformats.org/drawingml/2006/diagram" xmlns:c="http://schemas.openxmlformats.org/drawingml/2006/chart" xmlns="">
       <p:transition/>
     </mc:Fallback>
   </mc:AlternateContent>
@@ -4876,6 +4880,20 @@
                 <a:cs typeface="Courier New" panose="02070309020205020404" pitchFamily="49" charset="0"/>
               </a:rPr>
             </a:br>
+            <a:r>
+              <a:rPr kumimoji="0" lang="ko-KR" altLang="ko-KR" sz="1200" b="0" i="0" u="none" strike="noStrike" cap="none" normalizeH="0" baseline="0">
+                <a:ln>
+                  <a:noFill/>
+                </a:ln>
+                <a:solidFill>
+                  <a:srgbClr val="A9B7C6"/>
+                </a:solidFill>
+                <a:effectLst/>
+                <a:latin typeface="Courier New" panose="02070309020205020404" pitchFamily="49" charset="0"/>
+                <a:cs typeface="Courier New" panose="02070309020205020404" pitchFamily="49" charset="0"/>
+              </a:rPr>
+              <a:t/>
+            </a:r>
             <a:br>
               <a:rPr kumimoji="0" lang="ko-KR" altLang="ko-KR" sz="1200" b="0" i="0" u="none" strike="noStrike" cap="none" normalizeH="0" baseline="0">
                 <a:ln>
@@ -4889,6 +4907,20 @@
                 <a:cs typeface="Courier New" panose="02070309020205020404" pitchFamily="49" charset="0"/>
               </a:rPr>
             </a:br>
+            <a:r>
+              <a:rPr kumimoji="0" lang="ko-KR" altLang="ko-KR" sz="1200" b="0" i="0" u="none" strike="noStrike" cap="none" normalizeH="0" baseline="0">
+                <a:ln>
+                  <a:noFill/>
+                </a:ln>
+                <a:solidFill>
+                  <a:srgbClr val="A9B7C6"/>
+                </a:solidFill>
+                <a:effectLst/>
+                <a:latin typeface="Courier New" panose="02070309020205020404" pitchFamily="49" charset="0"/>
+                <a:cs typeface="Courier New" panose="02070309020205020404" pitchFamily="49" charset="0"/>
+              </a:rPr>
+              <a:t/>
+            </a:r>
             <a:br>
               <a:rPr kumimoji="0" lang="ko-KR" altLang="ko-KR" sz="1200" b="0" i="0" u="none" strike="noStrike" cap="none" normalizeH="0" baseline="0">
                 <a:ln>
@@ -5097,6 +5129,20 @@
                 <a:cs typeface="Courier New" panose="02070309020205020404" pitchFamily="49" charset="0"/>
               </a:rPr>
             </a:br>
+            <a:r>
+              <a:rPr kumimoji="0" lang="ko-KR" altLang="ko-KR" sz="1200" b="0" i="0" u="none" strike="noStrike" cap="none" normalizeH="0" baseline="0">
+                <a:ln>
+                  <a:noFill/>
+                </a:ln>
+                <a:solidFill>
+                  <a:srgbClr val="A9B7C6"/>
+                </a:solidFill>
+                <a:effectLst/>
+                <a:latin typeface="Courier New" panose="02070309020205020404" pitchFamily="49" charset="0"/>
+                <a:cs typeface="Courier New" panose="02070309020205020404" pitchFamily="49" charset="0"/>
+              </a:rPr>
+              <a:t/>
+            </a:r>
             <a:br>
               <a:rPr kumimoji="0" lang="ko-KR" altLang="ko-KR" sz="1200" b="0" i="0" u="none" strike="noStrike" cap="none" normalizeH="0" baseline="0">
                 <a:ln>
@@ -5608,6 +5654,20 @@
                 <a:cs typeface="Courier New" panose="02070309020205020404" pitchFamily="49" charset="0"/>
               </a:rPr>
             </a:br>
+            <a:r>
+              <a:rPr kumimoji="0" lang="ko-KR" altLang="ko-KR" sz="1200" b="0" i="0" u="none" strike="noStrike" cap="none" normalizeH="0" baseline="0">
+                <a:ln>
+                  <a:noFill/>
+                </a:ln>
+                <a:solidFill>
+                  <a:srgbClr val="A9B7C6"/>
+                </a:solidFill>
+                <a:effectLst/>
+                <a:latin typeface="Courier New" panose="02070309020205020404" pitchFamily="49" charset="0"/>
+                <a:cs typeface="Courier New" panose="02070309020205020404" pitchFamily="49" charset="0"/>
+              </a:rPr>
+              <a:t/>
+            </a:r>
             <a:br>
               <a:rPr kumimoji="0" lang="ko-KR" altLang="ko-KR" sz="1200" b="0" i="0" u="none" strike="noStrike" cap="none" normalizeH="0" baseline="0">
                 <a:ln>
@@ -5815,6 +5875,20 @@
                 <a:cs typeface="Courier New" panose="02070309020205020404" pitchFamily="49" charset="0"/>
               </a:rPr>
             </a:br>
+            <a:r>
+              <a:rPr kumimoji="0" lang="ko-KR" altLang="ko-KR" sz="1200" b="0" i="0" u="none" strike="noStrike" cap="none" normalizeH="0" baseline="0">
+                <a:ln>
+                  <a:noFill/>
+                </a:ln>
+                <a:solidFill>
+                  <a:srgbClr val="A9B7C6"/>
+                </a:solidFill>
+                <a:effectLst/>
+                <a:latin typeface="Courier New" panose="02070309020205020404" pitchFamily="49" charset="0"/>
+                <a:cs typeface="Courier New" panose="02070309020205020404" pitchFamily="49" charset="0"/>
+              </a:rPr>
+              <a:t/>
+            </a:r>
             <a:br>
               <a:rPr kumimoji="0" lang="ko-KR" altLang="ko-KR" sz="1200" b="0" i="0" u="none" strike="noStrike" cap="none" normalizeH="0" baseline="0">
                 <a:ln>
@@ -6022,6 +6096,20 @@
                 <a:cs typeface="Courier New" panose="02070309020205020404" pitchFamily="49" charset="0"/>
               </a:rPr>
             </a:br>
+            <a:r>
+              <a:rPr kumimoji="0" lang="ko-KR" altLang="ko-KR" sz="1200" b="0" i="0" u="none" strike="noStrike" cap="none" normalizeH="0" baseline="0">
+                <a:ln>
+                  <a:noFill/>
+                </a:ln>
+                <a:solidFill>
+                  <a:srgbClr val="A9B7C6"/>
+                </a:solidFill>
+                <a:effectLst/>
+                <a:latin typeface="Courier New" panose="02070309020205020404" pitchFamily="49" charset="0"/>
+                <a:cs typeface="Courier New" panose="02070309020205020404" pitchFamily="49" charset="0"/>
+              </a:rPr>
+              <a:t/>
+            </a:r>
             <a:br>
               <a:rPr kumimoji="0" lang="ko-KR" altLang="ko-KR" sz="1200" b="0" i="0" u="none" strike="noStrike" cap="none" normalizeH="0" baseline="0">
                 <a:ln>
@@ -6229,6 +6317,20 @@
                 <a:cs typeface="Courier New" panose="02070309020205020404" pitchFamily="49" charset="0"/>
               </a:rPr>
             </a:br>
+            <a:r>
+              <a:rPr kumimoji="0" lang="ko-KR" altLang="ko-KR" sz="1200" b="0" i="0" u="none" strike="noStrike" cap="none" normalizeH="0" baseline="0">
+                <a:ln>
+                  <a:noFill/>
+                </a:ln>
+                <a:solidFill>
+                  <a:srgbClr val="A9B7C6"/>
+                </a:solidFill>
+                <a:effectLst/>
+                <a:latin typeface="Courier New" panose="02070309020205020404" pitchFamily="49" charset="0"/>
+                <a:cs typeface="Courier New" panose="02070309020205020404" pitchFamily="49" charset="0"/>
+              </a:rPr>
+              <a:t/>
+            </a:r>
             <a:br>
               <a:rPr kumimoji="0" lang="ko-KR" altLang="ko-KR" sz="1200" b="0" i="0" u="none" strike="noStrike" cap="none" normalizeH="0" baseline="0">
                 <a:ln>
@@ -6436,6 +6538,20 @@
                 <a:cs typeface="Courier New" panose="02070309020205020404" pitchFamily="49" charset="0"/>
               </a:rPr>
             </a:br>
+            <a:r>
+              <a:rPr kumimoji="0" lang="ko-KR" altLang="ko-KR" sz="1200" b="0" i="0" u="none" strike="noStrike" cap="none" normalizeH="0" baseline="0">
+                <a:ln>
+                  <a:noFill/>
+                </a:ln>
+                <a:solidFill>
+                  <a:srgbClr val="A9B7C6"/>
+                </a:solidFill>
+                <a:effectLst/>
+                <a:latin typeface="Courier New" panose="02070309020205020404" pitchFamily="49" charset="0"/>
+                <a:cs typeface="Courier New" panose="02070309020205020404" pitchFamily="49" charset="0"/>
+              </a:rPr>
+              <a:t/>
+            </a:r>
             <a:br>
               <a:rPr kumimoji="0" lang="ko-KR" altLang="ko-KR" sz="1200" b="0" i="0" u="none" strike="noStrike" cap="none" normalizeH="0" baseline="0">
                 <a:ln>
@@ -6532,6 +6648,20 @@
                 <a:cs typeface="Courier New" panose="02070309020205020404" pitchFamily="49" charset="0"/>
               </a:rPr>
             </a:br>
+            <a:r>
+              <a:rPr kumimoji="0" lang="ko-KR" altLang="ko-KR" sz="1200" b="0" i="0" u="none" strike="noStrike" cap="none" normalizeH="0" baseline="0">
+                <a:ln>
+                  <a:noFill/>
+                </a:ln>
+                <a:solidFill>
+                  <a:srgbClr val="A9B7C6"/>
+                </a:solidFill>
+                <a:effectLst/>
+                <a:latin typeface="Courier New" panose="02070309020205020404" pitchFamily="49" charset="0"/>
+                <a:cs typeface="Courier New" panose="02070309020205020404" pitchFamily="49" charset="0"/>
+              </a:rPr>
+              <a:t/>
+            </a:r>
             <a:br>
               <a:rPr kumimoji="0" lang="ko-KR" altLang="ko-KR" sz="1200" b="0" i="0" u="none" strike="noStrike" cap="none" normalizeH="0" baseline="0">
                 <a:ln>
@@ -7130,6 +7260,20 @@
               </a:rPr>
               <a:t>Clac</a:t>
             </a:r>
+            <a:r>
+              <a:rPr kumimoji="0" lang="ko-KR" altLang="ko-KR" sz="1200" b="0" i="0" u="none" strike="noStrike" cap="none" normalizeH="0" baseline="0" dirty="0">
+                <a:ln>
+                  <a:noFill/>
+                </a:ln>
+                <a:solidFill>
+                  <a:srgbClr val="A9B7C6"/>
+                </a:solidFill>
+                <a:effectLst/>
+                <a:latin typeface="Courier New" panose="02070309020205020404" pitchFamily="49" charset="0"/>
+                <a:cs typeface="Courier New" panose="02070309020205020404" pitchFamily="49" charset="0"/>
+              </a:rPr>
+              <a:t/>
+            </a:r>
             <a:br>
               <a:rPr kumimoji="0" lang="ko-KR" altLang="ko-KR" sz="1200" b="0" i="0" u="none" strike="noStrike" cap="none" normalizeH="0" baseline="0" dirty="0">
                 <a:ln>
@@ -7268,6 +7412,20 @@
                 <a:cs typeface="Courier New" panose="02070309020205020404" pitchFamily="49" charset="0"/>
               </a:rPr>
             </a:br>
+            <a:r>
+              <a:rPr kumimoji="0" lang="ko-KR" altLang="ko-KR" sz="1200" b="0" i="0" u="none" strike="noStrike" cap="none" normalizeH="0" baseline="0" dirty="0">
+                <a:ln>
+                  <a:noFill/>
+                </a:ln>
+                <a:solidFill>
+                  <a:srgbClr val="A9B7C6"/>
+                </a:solidFill>
+                <a:effectLst/>
+                <a:latin typeface="Courier New" panose="02070309020205020404" pitchFamily="49" charset="0"/>
+                <a:cs typeface="Courier New" panose="02070309020205020404" pitchFamily="49" charset="0"/>
+              </a:rPr>
+              <a:t/>
+            </a:r>
             <a:br>
               <a:rPr kumimoji="0" lang="ko-KR" altLang="ko-KR" sz="1200" b="0" i="0" u="none" strike="noStrike" cap="none" normalizeH="0" baseline="0" dirty="0">
                 <a:ln>
@@ -7481,6 +7639,20 @@
               </a:rPr>
               <a:t>test</a:t>
             </a:r>
+            <a:r>
+              <a:rPr kumimoji="0" lang="ko-KR" altLang="ko-KR" sz="1200" b="0" i="0" u="none" strike="noStrike" cap="none" normalizeH="0" baseline="0" dirty="0">
+                <a:ln>
+                  <a:noFill/>
+                </a:ln>
+                <a:solidFill>
+                  <a:srgbClr val="A9B7C6"/>
+                </a:solidFill>
+                <a:effectLst/>
+                <a:latin typeface="Courier New" panose="02070309020205020404" pitchFamily="49" charset="0"/>
+                <a:cs typeface="Courier New" panose="02070309020205020404" pitchFamily="49" charset="0"/>
+              </a:rPr>
+              <a:t/>
+            </a:r>
             <a:br>
               <a:rPr kumimoji="0" lang="ko-KR" altLang="ko-KR" sz="1200" b="0" i="0" u="none" strike="noStrike" cap="none" normalizeH="0" baseline="0" dirty="0">
                 <a:ln>
@@ -7494,6 +7666,20 @@
                 <a:cs typeface="Courier New" panose="02070309020205020404" pitchFamily="49" charset="0"/>
               </a:rPr>
             </a:br>
+            <a:r>
+              <a:rPr kumimoji="0" lang="ko-KR" altLang="ko-KR" sz="1200" b="0" i="0" u="none" strike="noStrike" cap="none" normalizeH="0" baseline="0" dirty="0">
+                <a:ln>
+                  <a:noFill/>
+                </a:ln>
+                <a:solidFill>
+                  <a:srgbClr val="A9B7C6"/>
+                </a:solidFill>
+                <a:effectLst/>
+                <a:latin typeface="Courier New" panose="02070309020205020404" pitchFamily="49" charset="0"/>
+                <a:cs typeface="Courier New" panose="02070309020205020404" pitchFamily="49" charset="0"/>
+              </a:rPr>
+              <a:t/>
+            </a:r>
             <a:br>
               <a:rPr kumimoji="0" lang="ko-KR" altLang="ko-KR" sz="1200" b="0" i="0" u="none" strike="noStrike" cap="none" normalizeH="0" baseline="0" dirty="0">
                 <a:ln>
@@ -7813,6 +7999,20 @@
                 <a:cs typeface="Courier New" panose="02070309020205020404" pitchFamily="49" charset="0"/>
               </a:rPr>
             </a:br>
+            <a:r>
+              <a:rPr kumimoji="0" lang="ko-KR" altLang="ko-KR" sz="1200" b="0" i="0" u="none" strike="noStrike" cap="none" normalizeH="0" baseline="0">
+                <a:ln>
+                  <a:noFill/>
+                </a:ln>
+                <a:solidFill>
+                  <a:srgbClr val="A9B7C6"/>
+                </a:solidFill>
+                <a:effectLst/>
+                <a:latin typeface="Courier New" panose="02070309020205020404" pitchFamily="49" charset="0"/>
+                <a:cs typeface="Courier New" panose="02070309020205020404" pitchFamily="49" charset="0"/>
+              </a:rPr>
+              <a:t/>
+            </a:r>
             <a:br>
               <a:rPr kumimoji="0" lang="ko-KR" altLang="ko-KR" sz="1200" b="0" i="0" u="none" strike="noStrike" cap="none" normalizeH="0" baseline="0">
                 <a:ln>
@@ -8915,6 +9115,20 @@
                 <a:cs typeface="Courier New" panose="02070309020205020404" pitchFamily="49" charset="0"/>
               </a:rPr>
             </a:br>
+            <a:r>
+              <a:rPr kumimoji="0" lang="ko-KR" altLang="ko-KR" sz="1200" b="0" i="0" u="none" strike="noStrike" cap="none" normalizeH="0" baseline="0">
+                <a:ln>
+                  <a:noFill/>
+                </a:ln>
+                <a:solidFill>
+                  <a:srgbClr val="A9B7C6"/>
+                </a:solidFill>
+                <a:effectLst/>
+                <a:latin typeface="Courier New" panose="02070309020205020404" pitchFamily="49" charset="0"/>
+                <a:cs typeface="Courier New" panose="02070309020205020404" pitchFamily="49" charset="0"/>
+              </a:rPr>
+              <a:t/>
+            </a:r>
             <a:br>
               <a:rPr kumimoji="0" lang="ko-KR" altLang="ko-KR" sz="1200" b="0" i="0" u="none" strike="noStrike" cap="none" normalizeH="0" baseline="0">
                 <a:ln>
@@ -9968,6 +10182,20 @@
               </a:rPr>
               <a:t>plt</a:t>
             </a:r>
+            <a:r>
+              <a:rPr kumimoji="0" lang="ko-KR" altLang="ko-KR" sz="1200" b="0" i="0" u="none" strike="noStrike" cap="none" normalizeH="0" baseline="0" dirty="0">
+                <a:ln>
+                  <a:noFill/>
+                </a:ln>
+                <a:solidFill>
+                  <a:srgbClr val="A9B7C6"/>
+                </a:solidFill>
+                <a:effectLst/>
+                <a:latin typeface="Courier New" panose="02070309020205020404" pitchFamily="49" charset="0"/>
+                <a:cs typeface="Courier New" panose="02070309020205020404" pitchFamily="49" charset="0"/>
+              </a:rPr>
+              <a:t/>
+            </a:r>
             <a:br>
               <a:rPr kumimoji="0" lang="ko-KR" altLang="ko-KR" sz="1200" b="0" i="0" u="none" strike="noStrike" cap="none" normalizeH="0" baseline="0" dirty="0">
                 <a:ln>
@@ -10079,6 +10307,20 @@
               </a:rPr>
               <a:t>fm</a:t>
             </a:r>
+            <a:r>
+              <a:rPr kumimoji="0" lang="ko-KR" altLang="ko-KR" sz="1200" b="0" i="0" u="none" strike="noStrike" cap="none" normalizeH="0" baseline="0" dirty="0">
+                <a:ln>
+                  <a:noFill/>
+                </a:ln>
+                <a:solidFill>
+                  <a:srgbClr val="A9B7C6"/>
+                </a:solidFill>
+                <a:effectLst/>
+                <a:latin typeface="Courier New" panose="02070309020205020404" pitchFamily="49" charset="0"/>
+                <a:cs typeface="Courier New" panose="02070309020205020404" pitchFamily="49" charset="0"/>
+              </a:rPr>
+              <a:t/>
+            </a:r>
             <a:br>
               <a:rPr kumimoji="0" lang="ko-KR" altLang="ko-KR" sz="1200" b="0" i="0" u="none" strike="noStrike" cap="none" normalizeH="0" baseline="0" dirty="0">
                 <a:ln>
@@ -10565,6 +10807,20 @@
                 <a:cs typeface="Courier New" panose="02070309020205020404" pitchFamily="49" charset="0"/>
               </a:rPr>
             </a:br>
+            <a:r>
+              <a:rPr kumimoji="0" lang="ko-KR" altLang="ko-KR" sz="1200" b="0" i="0" u="none" strike="noStrike" cap="none" normalizeH="0" baseline="0" dirty="0">
+                <a:ln>
+                  <a:noFill/>
+                </a:ln>
+                <a:solidFill>
+                  <a:srgbClr val="A9B7C6"/>
+                </a:solidFill>
+                <a:effectLst/>
+                <a:latin typeface="Courier New" panose="02070309020205020404" pitchFamily="49" charset="0"/>
+                <a:cs typeface="Courier New" panose="02070309020205020404" pitchFamily="49" charset="0"/>
+              </a:rPr>
+              <a:t/>
+            </a:r>
             <a:br>
               <a:rPr kumimoji="0" lang="ko-KR" altLang="ko-KR" sz="1200" b="0" i="0" u="none" strike="noStrike" cap="none" normalizeH="0" baseline="0" dirty="0">
                 <a:ln>
@@ -11598,6 +11854,20 @@
                 <a:cs typeface="Courier New" panose="02070309020205020404" pitchFamily="49" charset="0"/>
               </a:rPr>
             </a:br>
+            <a:r>
+              <a:rPr kumimoji="0" lang="ko-KR" altLang="ko-KR" sz="1200" b="0" i="0" u="none" strike="noStrike" cap="none" normalizeH="0" baseline="0" dirty="0">
+                <a:ln>
+                  <a:noFill/>
+                </a:ln>
+                <a:solidFill>
+                  <a:srgbClr val="A9B7C6"/>
+                </a:solidFill>
+                <a:effectLst/>
+                <a:latin typeface="Courier New" panose="02070309020205020404" pitchFamily="49" charset="0"/>
+                <a:cs typeface="Courier New" panose="02070309020205020404" pitchFamily="49" charset="0"/>
+              </a:rPr>
+              <a:t/>
+            </a:r>
             <a:br>
               <a:rPr kumimoji="0" lang="ko-KR" altLang="ko-KR" sz="1200" b="0" i="0" u="none" strike="noStrike" cap="none" normalizeH="0" baseline="0" dirty="0">
                 <a:ln>
@@ -11611,6 +11881,20 @@
                 <a:cs typeface="Courier New" panose="02070309020205020404" pitchFamily="49" charset="0"/>
               </a:rPr>
             </a:br>
+            <a:r>
+              <a:rPr kumimoji="0" lang="ko-KR" altLang="ko-KR" sz="1200" b="0" i="0" u="none" strike="noStrike" cap="none" normalizeH="0" baseline="0" dirty="0">
+                <a:ln>
+                  <a:noFill/>
+                </a:ln>
+                <a:solidFill>
+                  <a:srgbClr val="A9B7C6"/>
+                </a:solidFill>
+                <a:effectLst/>
+                <a:latin typeface="Courier New" panose="02070309020205020404" pitchFamily="49" charset="0"/>
+                <a:cs typeface="Courier New" panose="02070309020205020404" pitchFamily="49" charset="0"/>
+              </a:rPr>
+              <a:t/>
+            </a:r>
             <a:br>
               <a:rPr kumimoji="0" lang="ko-KR" altLang="ko-KR" sz="1200" b="0" i="0" u="none" strike="noStrike" cap="none" normalizeH="0" baseline="0" dirty="0">
                 <a:ln>
@@ -12989,6 +13273,20 @@
               </a:rPr>
               <a:t>plt</a:t>
             </a:r>
+            <a:r>
+              <a:rPr kumimoji="0" lang="ko-KR" altLang="ko-KR" sz="1200" b="0" i="0" u="none" strike="noStrike" cap="none" normalizeH="0" baseline="0" dirty="0">
+                <a:ln>
+                  <a:noFill/>
+                </a:ln>
+                <a:solidFill>
+                  <a:srgbClr val="A9B7C6"/>
+                </a:solidFill>
+                <a:effectLst/>
+                <a:latin typeface="Courier New" panose="02070309020205020404" pitchFamily="49" charset="0"/>
+                <a:cs typeface="Courier New" panose="02070309020205020404" pitchFamily="49" charset="0"/>
+              </a:rPr>
+              <a:t/>
+            </a:r>
             <a:br>
               <a:rPr kumimoji="0" lang="ko-KR" altLang="ko-KR" sz="1200" b="0" i="0" u="none" strike="noStrike" cap="none" normalizeH="0" baseline="0" dirty="0">
                 <a:ln>
@@ -13100,6 +13398,20 @@
               </a:rPr>
               <a:t>np</a:t>
             </a:r>
+            <a:r>
+              <a:rPr kumimoji="0" lang="ko-KR" altLang="ko-KR" sz="1200" b="0" i="0" u="none" strike="noStrike" cap="none" normalizeH="0" baseline="0" dirty="0">
+                <a:ln>
+                  <a:noFill/>
+                </a:ln>
+                <a:solidFill>
+                  <a:srgbClr val="A9B7C6"/>
+                </a:solidFill>
+                <a:effectLst/>
+                <a:latin typeface="Courier New" panose="02070309020205020404" pitchFamily="49" charset="0"/>
+                <a:cs typeface="Courier New" panose="02070309020205020404" pitchFamily="49" charset="0"/>
+              </a:rPr>
+              <a:t/>
+            </a:r>
             <a:br>
               <a:rPr kumimoji="0" lang="ko-KR" altLang="ko-KR" sz="1200" b="0" i="0" u="none" strike="noStrike" cap="none" normalizeH="0" baseline="0" dirty="0">
                 <a:ln>
@@ -13113,6 +13425,20 @@
                 <a:cs typeface="Courier New" panose="02070309020205020404" pitchFamily="49" charset="0"/>
               </a:rPr>
             </a:br>
+            <a:r>
+              <a:rPr kumimoji="0" lang="ko-KR" altLang="ko-KR" sz="1200" b="0" i="0" u="none" strike="noStrike" cap="none" normalizeH="0" baseline="0" dirty="0">
+                <a:ln>
+                  <a:noFill/>
+                </a:ln>
+                <a:solidFill>
+                  <a:srgbClr val="A9B7C6"/>
+                </a:solidFill>
+                <a:effectLst/>
+                <a:latin typeface="Courier New" panose="02070309020205020404" pitchFamily="49" charset="0"/>
+                <a:cs typeface="Courier New" panose="02070309020205020404" pitchFamily="49" charset="0"/>
+              </a:rPr>
+              <a:t/>
+            </a:r>
             <a:br>
               <a:rPr kumimoji="0" lang="ko-KR" altLang="ko-KR" sz="1200" b="0" i="0" u="none" strike="noStrike" cap="none" normalizeH="0" baseline="0" dirty="0">
                 <a:ln>
@@ -13390,6 +13716,20 @@
                 <a:cs typeface="Courier New" panose="02070309020205020404" pitchFamily="49" charset="0"/>
               </a:rPr>
             </a:br>
+            <a:r>
+              <a:rPr kumimoji="0" lang="ko-KR" altLang="ko-KR" sz="1200" b="0" i="0" u="none" strike="noStrike" cap="none" normalizeH="0" baseline="0" dirty="0">
+                <a:ln>
+                  <a:noFill/>
+                </a:ln>
+                <a:solidFill>
+                  <a:srgbClr val="A9B7C6"/>
+                </a:solidFill>
+                <a:effectLst/>
+                <a:latin typeface="Courier New" panose="02070309020205020404" pitchFamily="49" charset="0"/>
+                <a:cs typeface="Courier New" panose="02070309020205020404" pitchFamily="49" charset="0"/>
+              </a:rPr>
+              <a:t/>
+            </a:r>
             <a:br>
               <a:rPr kumimoji="0" lang="ko-KR" altLang="ko-KR" sz="1200" b="0" i="0" u="none" strike="noStrike" cap="none" normalizeH="0" baseline="0" dirty="0">
                 <a:ln>
@@ -13403,6 +13743,20 @@
                 <a:cs typeface="Courier New" panose="02070309020205020404" pitchFamily="49" charset="0"/>
               </a:rPr>
             </a:br>
+            <a:r>
+              <a:rPr kumimoji="0" lang="ko-KR" altLang="ko-KR" sz="1200" b="0" i="0" u="none" strike="noStrike" cap="none" normalizeH="0" baseline="0" dirty="0">
+                <a:ln>
+                  <a:noFill/>
+                </a:ln>
+                <a:solidFill>
+                  <a:srgbClr val="A9B7C6"/>
+                </a:solidFill>
+                <a:effectLst/>
+                <a:latin typeface="Courier New" panose="02070309020205020404" pitchFamily="49" charset="0"/>
+                <a:cs typeface="Courier New" panose="02070309020205020404" pitchFamily="49" charset="0"/>
+              </a:rPr>
+              <a:t/>
+            </a:r>
             <a:br>
               <a:rPr kumimoji="0" lang="ko-KR" altLang="ko-KR" sz="1200" b="0" i="0" u="none" strike="noStrike" cap="none" normalizeH="0" baseline="0" dirty="0">
                 <a:ln>
@@ -14194,6 +14548,20 @@
                 <a:cs typeface="Courier New" panose="02070309020205020404" pitchFamily="49" charset="0"/>
               </a:rPr>
             </a:br>
+            <a:r>
+              <a:rPr kumimoji="0" lang="ko-KR" altLang="ko-KR" sz="1200" b="0" i="0" u="none" strike="noStrike" cap="none" normalizeH="0" baseline="0" dirty="0">
+                <a:ln>
+                  <a:noFill/>
+                </a:ln>
+                <a:solidFill>
+                  <a:srgbClr val="A9B7C6"/>
+                </a:solidFill>
+                <a:effectLst/>
+                <a:latin typeface="Courier New" panose="02070309020205020404" pitchFamily="49" charset="0"/>
+                <a:cs typeface="Courier New" panose="02070309020205020404" pitchFamily="49" charset="0"/>
+              </a:rPr>
+              <a:t/>
+            </a:r>
             <a:br>
               <a:rPr kumimoji="0" lang="ko-KR" altLang="ko-KR" sz="1200" b="0" i="0" u="none" strike="noStrike" cap="none" normalizeH="0" baseline="0" dirty="0">
                 <a:ln>
@@ -14368,7 +14736,15 @@
             </a:pPr>
             <a:r>
               <a:rPr lang="ko-KR" altLang="en-US" dirty="0"/>
-              <a:t>곡선 그래프를 그려보세요</a:t>
+              <a:t>원</a:t>
+            </a:r>
+            <a:r>
+              <a:rPr lang="ko-KR" altLang="en-US" dirty="0" smtClean="0"/>
+              <a:t> 을 </a:t>
+            </a:r>
+            <a:r>
+              <a:rPr lang="ko-KR" altLang="en-US" dirty="0"/>
+              <a:t>그려보세요</a:t>
             </a:r>
             <a:r>
               <a:rPr lang="en-US" altLang="ko-KR" dirty="0"/>
@@ -14400,7 +14776,7 @@
     <mc:Choice Requires="p14">
       <p:transition/>
     </mc:Choice>
-    <mc:Fallback xmlns:dsp="http://schemas.microsoft.com/office/drawing/2008/diagram" xmlns:dgm="http://schemas.openxmlformats.org/drawingml/2006/diagram" xmlns:c="http://schemas.openxmlformats.org/drawingml/2006/chart" xmlns="">
+    <mc:Fallback xmlns="" xmlns:c="http://schemas.openxmlformats.org/drawingml/2006/chart" xmlns:dgm="http://schemas.openxmlformats.org/drawingml/2006/diagram" xmlns:dsp="http://schemas.microsoft.com/office/drawing/2008/diagram">
       <p:transition/>
     </mc:Fallback>
   </mc:AlternateContent>
